--- a/ppt 16-9/1592.祢是我的平安.pptx
+++ b/ppt 16-9/1592.祢是我的平安.pptx
@@ -129,7 +129,7 @@
           <p:cNvPr id="2" name="标题 1">
             <a:extLst>
               <a:ext uri="{FF2B5EF4-FFF2-40B4-BE49-F238E27FC236}">
-                <a16:creationId xmlns:a16="http://schemas.microsoft.com/office/drawing/2014/main" id="{1A0880C4-EA8B-30E2-CC89-135A8C8F6457}"/>
+                <a16:creationId xmlns:a16="http://schemas.microsoft.com/office/drawing/2014/main" id="{870153FF-7732-3FAD-5ADA-754C04AF5045}"/>
               </a:ext>
             </a:extLst>
           </p:cNvPr>
@@ -166,7 +166,7 @@
           <p:cNvPr id="3" name="副标题 2">
             <a:extLst>
               <a:ext uri="{FF2B5EF4-FFF2-40B4-BE49-F238E27FC236}">
-                <a16:creationId xmlns:a16="http://schemas.microsoft.com/office/drawing/2014/main" id="{394050B5-51B9-C5DA-E529-E83200B76BE6}"/>
+                <a16:creationId xmlns:a16="http://schemas.microsoft.com/office/drawing/2014/main" id="{3F5B6004-F9DF-9F0D-5F19-0C9D204C9E14}"/>
               </a:ext>
             </a:extLst>
           </p:cNvPr>
@@ -236,7 +236,7 @@
           <p:cNvPr id="4" name="日期占位符 3">
             <a:extLst>
               <a:ext uri="{FF2B5EF4-FFF2-40B4-BE49-F238E27FC236}">
-                <a16:creationId xmlns:a16="http://schemas.microsoft.com/office/drawing/2014/main" id="{F036E713-729E-5FEA-9D9C-A9DBFE1D250C}"/>
+                <a16:creationId xmlns:a16="http://schemas.microsoft.com/office/drawing/2014/main" id="{D08C8A0E-D9CB-363A-28F7-A40F050636BA}"/>
               </a:ext>
             </a:extLst>
           </p:cNvPr>
@@ -252,7 +252,7 @@
           <a:bodyPr/>
           <a:lstStyle/>
           <a:p>
-            <a:fld id="{89EF49A6-38A0-4894-9235-C6E30AAF645B}" type="datetimeFigureOut">
+            <a:fld id="{5AD2295D-A003-4BFA-A1AE-ED94CE02BECB}" type="datetimeFigureOut">
               <a:rPr lang="zh-CN" altLang="en-US" smtClean="0"/>
               <a:t>2024/3/10</a:t>
             </a:fld>
@@ -265,7 +265,7 @@
           <p:cNvPr id="5" name="页脚占位符 4">
             <a:extLst>
               <a:ext uri="{FF2B5EF4-FFF2-40B4-BE49-F238E27FC236}">
-                <a16:creationId xmlns:a16="http://schemas.microsoft.com/office/drawing/2014/main" id="{F90BCDC0-398D-1D14-AA34-E3A7D9E54B40}"/>
+                <a16:creationId xmlns:a16="http://schemas.microsoft.com/office/drawing/2014/main" id="{1C7FA98B-99C0-9EC6-65D2-C00E7C30D11B}"/>
               </a:ext>
             </a:extLst>
           </p:cNvPr>
@@ -290,7 +290,7 @@
           <p:cNvPr id="6" name="灯片编号占位符 5">
             <a:extLst>
               <a:ext uri="{FF2B5EF4-FFF2-40B4-BE49-F238E27FC236}">
-                <a16:creationId xmlns:a16="http://schemas.microsoft.com/office/drawing/2014/main" id="{49251A33-5C39-8264-F558-67E36E949368}"/>
+                <a16:creationId xmlns:a16="http://schemas.microsoft.com/office/drawing/2014/main" id="{C7093786-F2BA-9664-7EA0-481336C07AEC}"/>
               </a:ext>
             </a:extLst>
           </p:cNvPr>
@@ -306,7 +306,7 @@
           <a:bodyPr/>
           <a:lstStyle/>
           <a:p>
-            <a:fld id="{AEDAFD68-F0B2-4E09-8C73-4D17A98604C6}" type="slidenum">
+            <a:fld id="{28E3CBBF-CE42-4580-B701-8FB6EB140D37}" type="slidenum">
               <a:rPr lang="zh-CN" altLang="en-US" smtClean="0"/>
               <a:t>‹#›</a:t>
             </a:fld>
@@ -317,7 +317,7 @@
     </p:spTree>
     <p:extLst>
       <p:ext uri="{BB962C8B-B14F-4D97-AF65-F5344CB8AC3E}">
-        <p14:creationId xmlns:p14="http://schemas.microsoft.com/office/powerpoint/2010/main" val="1868110030"/>
+        <p14:creationId xmlns:p14="http://schemas.microsoft.com/office/powerpoint/2010/main" val="1470092932"/>
       </p:ext>
     </p:extLst>
   </p:cSld>
@@ -349,7 +349,7 @@
           <p:cNvPr id="2" name="标题 1">
             <a:extLst>
               <a:ext uri="{FF2B5EF4-FFF2-40B4-BE49-F238E27FC236}">
-                <a16:creationId xmlns:a16="http://schemas.microsoft.com/office/drawing/2014/main" id="{46D08A05-1809-9F5F-8325-9D7B2A8A04C5}"/>
+                <a16:creationId xmlns:a16="http://schemas.microsoft.com/office/drawing/2014/main" id="{99D29B0C-5D44-B869-CC65-986B277D6A78}"/>
               </a:ext>
             </a:extLst>
           </p:cNvPr>
@@ -377,7 +377,7 @@
           <p:cNvPr id="3" name="竖排文字占位符 2">
             <a:extLst>
               <a:ext uri="{FF2B5EF4-FFF2-40B4-BE49-F238E27FC236}">
-                <a16:creationId xmlns:a16="http://schemas.microsoft.com/office/drawing/2014/main" id="{EBA519C9-FF3F-0F50-6136-ED5123C6C494}"/>
+                <a16:creationId xmlns:a16="http://schemas.microsoft.com/office/drawing/2014/main" id="{C3BE3728-265E-BD17-615D-708E30DF6AE0}"/>
               </a:ext>
             </a:extLst>
           </p:cNvPr>
@@ -434,7 +434,7 @@
           <p:cNvPr id="4" name="日期占位符 3">
             <a:extLst>
               <a:ext uri="{FF2B5EF4-FFF2-40B4-BE49-F238E27FC236}">
-                <a16:creationId xmlns:a16="http://schemas.microsoft.com/office/drawing/2014/main" id="{EADF703D-C302-EBB9-788E-95E1A5D3D76D}"/>
+                <a16:creationId xmlns:a16="http://schemas.microsoft.com/office/drawing/2014/main" id="{3850049A-5903-C0C4-A6D8-93DAAF12E23E}"/>
               </a:ext>
             </a:extLst>
           </p:cNvPr>
@@ -450,7 +450,7 @@
           <a:bodyPr/>
           <a:lstStyle/>
           <a:p>
-            <a:fld id="{89EF49A6-38A0-4894-9235-C6E30AAF645B}" type="datetimeFigureOut">
+            <a:fld id="{5AD2295D-A003-4BFA-A1AE-ED94CE02BECB}" type="datetimeFigureOut">
               <a:rPr lang="zh-CN" altLang="en-US" smtClean="0"/>
               <a:t>2024/3/10</a:t>
             </a:fld>
@@ -463,7 +463,7 @@
           <p:cNvPr id="5" name="页脚占位符 4">
             <a:extLst>
               <a:ext uri="{FF2B5EF4-FFF2-40B4-BE49-F238E27FC236}">
-                <a16:creationId xmlns:a16="http://schemas.microsoft.com/office/drawing/2014/main" id="{F5C7C8ED-85C3-49B9-5088-D579519B2589}"/>
+                <a16:creationId xmlns:a16="http://schemas.microsoft.com/office/drawing/2014/main" id="{BE5FFDD7-94BC-BE8F-9C44-9026DF45E5A4}"/>
               </a:ext>
             </a:extLst>
           </p:cNvPr>
@@ -488,7 +488,7 @@
           <p:cNvPr id="6" name="灯片编号占位符 5">
             <a:extLst>
               <a:ext uri="{FF2B5EF4-FFF2-40B4-BE49-F238E27FC236}">
-                <a16:creationId xmlns:a16="http://schemas.microsoft.com/office/drawing/2014/main" id="{3A81C5D2-023B-2EEF-A6C6-43627ACDD7C6}"/>
+                <a16:creationId xmlns:a16="http://schemas.microsoft.com/office/drawing/2014/main" id="{905736D9-3B03-CB9B-F520-A9F600A36AE6}"/>
               </a:ext>
             </a:extLst>
           </p:cNvPr>
@@ -504,7 +504,7 @@
           <a:bodyPr/>
           <a:lstStyle/>
           <a:p>
-            <a:fld id="{AEDAFD68-F0B2-4E09-8C73-4D17A98604C6}" type="slidenum">
+            <a:fld id="{28E3CBBF-CE42-4580-B701-8FB6EB140D37}" type="slidenum">
               <a:rPr lang="zh-CN" altLang="en-US" smtClean="0"/>
               <a:t>‹#›</a:t>
             </a:fld>
@@ -515,7 +515,7 @@
     </p:spTree>
     <p:extLst>
       <p:ext uri="{BB962C8B-B14F-4D97-AF65-F5344CB8AC3E}">
-        <p14:creationId xmlns:p14="http://schemas.microsoft.com/office/powerpoint/2010/main" val="484600841"/>
+        <p14:creationId xmlns:p14="http://schemas.microsoft.com/office/powerpoint/2010/main" val="806816209"/>
       </p:ext>
     </p:extLst>
   </p:cSld>
@@ -547,7 +547,7 @@
           <p:cNvPr id="2" name="竖排标题 1">
             <a:extLst>
               <a:ext uri="{FF2B5EF4-FFF2-40B4-BE49-F238E27FC236}">
-                <a16:creationId xmlns:a16="http://schemas.microsoft.com/office/drawing/2014/main" id="{2D9BCD33-91B0-6E02-BB39-8FC7208BF506}"/>
+                <a16:creationId xmlns:a16="http://schemas.microsoft.com/office/drawing/2014/main" id="{6040B026-0EC2-D0D1-9676-9C472610C062}"/>
               </a:ext>
             </a:extLst>
           </p:cNvPr>
@@ -580,7 +580,7 @@
           <p:cNvPr id="3" name="竖排文字占位符 2">
             <a:extLst>
               <a:ext uri="{FF2B5EF4-FFF2-40B4-BE49-F238E27FC236}">
-                <a16:creationId xmlns:a16="http://schemas.microsoft.com/office/drawing/2014/main" id="{A5AEB81D-90F6-42F0-7B62-2E144987F9EA}"/>
+                <a16:creationId xmlns:a16="http://schemas.microsoft.com/office/drawing/2014/main" id="{2EBA9BF8-2FD8-ED27-D29D-B8EA3224D20D}"/>
               </a:ext>
             </a:extLst>
           </p:cNvPr>
@@ -642,7 +642,7 @@
           <p:cNvPr id="4" name="日期占位符 3">
             <a:extLst>
               <a:ext uri="{FF2B5EF4-FFF2-40B4-BE49-F238E27FC236}">
-                <a16:creationId xmlns:a16="http://schemas.microsoft.com/office/drawing/2014/main" id="{9686843A-DF15-50B3-8A71-274248AE3A89}"/>
+                <a16:creationId xmlns:a16="http://schemas.microsoft.com/office/drawing/2014/main" id="{7D550EE6-7A44-59B4-A051-F24A9970340E}"/>
               </a:ext>
             </a:extLst>
           </p:cNvPr>
@@ -658,7 +658,7 @@
           <a:bodyPr/>
           <a:lstStyle/>
           <a:p>
-            <a:fld id="{89EF49A6-38A0-4894-9235-C6E30AAF645B}" type="datetimeFigureOut">
+            <a:fld id="{5AD2295D-A003-4BFA-A1AE-ED94CE02BECB}" type="datetimeFigureOut">
               <a:rPr lang="zh-CN" altLang="en-US" smtClean="0"/>
               <a:t>2024/3/10</a:t>
             </a:fld>
@@ -671,7 +671,7 @@
           <p:cNvPr id="5" name="页脚占位符 4">
             <a:extLst>
               <a:ext uri="{FF2B5EF4-FFF2-40B4-BE49-F238E27FC236}">
-                <a16:creationId xmlns:a16="http://schemas.microsoft.com/office/drawing/2014/main" id="{FE5D79B6-F856-455E-3DA1-6C5058448E93}"/>
+                <a16:creationId xmlns:a16="http://schemas.microsoft.com/office/drawing/2014/main" id="{106C80EB-8F35-D2AE-D85B-B1B25ACC2E70}"/>
               </a:ext>
             </a:extLst>
           </p:cNvPr>
@@ -696,7 +696,7 @@
           <p:cNvPr id="6" name="灯片编号占位符 5">
             <a:extLst>
               <a:ext uri="{FF2B5EF4-FFF2-40B4-BE49-F238E27FC236}">
-                <a16:creationId xmlns:a16="http://schemas.microsoft.com/office/drawing/2014/main" id="{EF8DD72C-BA7B-7336-2F3D-DCE514562820}"/>
+                <a16:creationId xmlns:a16="http://schemas.microsoft.com/office/drawing/2014/main" id="{C8FC1E9F-D247-1004-EC58-389313E302A6}"/>
               </a:ext>
             </a:extLst>
           </p:cNvPr>
@@ -712,7 +712,7 @@
           <a:bodyPr/>
           <a:lstStyle/>
           <a:p>
-            <a:fld id="{AEDAFD68-F0B2-4E09-8C73-4D17A98604C6}" type="slidenum">
+            <a:fld id="{28E3CBBF-CE42-4580-B701-8FB6EB140D37}" type="slidenum">
               <a:rPr lang="zh-CN" altLang="en-US" smtClean="0"/>
               <a:t>‹#›</a:t>
             </a:fld>
@@ -723,7 +723,7 @@
     </p:spTree>
     <p:extLst>
       <p:ext uri="{BB962C8B-B14F-4D97-AF65-F5344CB8AC3E}">
-        <p14:creationId xmlns:p14="http://schemas.microsoft.com/office/powerpoint/2010/main" val="2916148002"/>
+        <p14:creationId xmlns:p14="http://schemas.microsoft.com/office/powerpoint/2010/main" val="3824946050"/>
       </p:ext>
     </p:extLst>
   </p:cSld>
@@ -755,7 +755,7 @@
           <p:cNvPr id="2" name="标题 1">
             <a:extLst>
               <a:ext uri="{FF2B5EF4-FFF2-40B4-BE49-F238E27FC236}">
-                <a16:creationId xmlns:a16="http://schemas.microsoft.com/office/drawing/2014/main" id="{D7F8D969-2515-6F62-91C9-0E7D774A27AB}"/>
+                <a16:creationId xmlns:a16="http://schemas.microsoft.com/office/drawing/2014/main" id="{B120FA13-F6DD-0AE2-4B16-71832425EA57}"/>
               </a:ext>
             </a:extLst>
           </p:cNvPr>
@@ -783,7 +783,7 @@
           <p:cNvPr id="3" name="内容占位符 2">
             <a:extLst>
               <a:ext uri="{FF2B5EF4-FFF2-40B4-BE49-F238E27FC236}">
-                <a16:creationId xmlns:a16="http://schemas.microsoft.com/office/drawing/2014/main" id="{409B5E96-72F8-90EA-45C1-FC259907D5BB}"/>
+                <a16:creationId xmlns:a16="http://schemas.microsoft.com/office/drawing/2014/main" id="{F5A50DE2-34C0-6821-77B3-7ED0E285DDC7}"/>
               </a:ext>
             </a:extLst>
           </p:cNvPr>
@@ -840,7 +840,7 @@
           <p:cNvPr id="4" name="日期占位符 3">
             <a:extLst>
               <a:ext uri="{FF2B5EF4-FFF2-40B4-BE49-F238E27FC236}">
-                <a16:creationId xmlns:a16="http://schemas.microsoft.com/office/drawing/2014/main" id="{E41919CB-530E-FCB1-5744-D65D6FD6A1FC}"/>
+                <a16:creationId xmlns:a16="http://schemas.microsoft.com/office/drawing/2014/main" id="{1CFB22B2-D1EB-FDFA-50E4-B80DEEDB78D1}"/>
               </a:ext>
             </a:extLst>
           </p:cNvPr>
@@ -856,7 +856,7 @@
           <a:bodyPr/>
           <a:lstStyle/>
           <a:p>
-            <a:fld id="{89EF49A6-38A0-4894-9235-C6E30AAF645B}" type="datetimeFigureOut">
+            <a:fld id="{5AD2295D-A003-4BFA-A1AE-ED94CE02BECB}" type="datetimeFigureOut">
               <a:rPr lang="zh-CN" altLang="en-US" smtClean="0"/>
               <a:t>2024/3/10</a:t>
             </a:fld>
@@ -869,7 +869,7 @@
           <p:cNvPr id="5" name="页脚占位符 4">
             <a:extLst>
               <a:ext uri="{FF2B5EF4-FFF2-40B4-BE49-F238E27FC236}">
-                <a16:creationId xmlns:a16="http://schemas.microsoft.com/office/drawing/2014/main" id="{E2050997-F00B-47F9-AA03-7EC786327195}"/>
+                <a16:creationId xmlns:a16="http://schemas.microsoft.com/office/drawing/2014/main" id="{35531DD9-300A-D558-D431-4B5B9FA26026}"/>
               </a:ext>
             </a:extLst>
           </p:cNvPr>
@@ -894,7 +894,7 @@
           <p:cNvPr id="6" name="灯片编号占位符 5">
             <a:extLst>
               <a:ext uri="{FF2B5EF4-FFF2-40B4-BE49-F238E27FC236}">
-                <a16:creationId xmlns:a16="http://schemas.microsoft.com/office/drawing/2014/main" id="{B4A11925-D646-C6D0-BC9F-3B60550C1AC6}"/>
+                <a16:creationId xmlns:a16="http://schemas.microsoft.com/office/drawing/2014/main" id="{59379FC2-1C9E-E8E0-1166-9367F74C4445}"/>
               </a:ext>
             </a:extLst>
           </p:cNvPr>
@@ -910,7 +910,7 @@
           <a:bodyPr/>
           <a:lstStyle/>
           <a:p>
-            <a:fld id="{AEDAFD68-F0B2-4E09-8C73-4D17A98604C6}" type="slidenum">
+            <a:fld id="{28E3CBBF-CE42-4580-B701-8FB6EB140D37}" type="slidenum">
               <a:rPr lang="zh-CN" altLang="en-US" smtClean="0"/>
               <a:t>‹#›</a:t>
             </a:fld>
@@ -921,7 +921,7 @@
     </p:spTree>
     <p:extLst>
       <p:ext uri="{BB962C8B-B14F-4D97-AF65-F5344CB8AC3E}">
-        <p14:creationId xmlns:p14="http://schemas.microsoft.com/office/powerpoint/2010/main" val="2935776539"/>
+        <p14:creationId xmlns:p14="http://schemas.microsoft.com/office/powerpoint/2010/main" val="3582883771"/>
       </p:ext>
     </p:extLst>
   </p:cSld>
@@ -953,7 +953,7 @@
           <p:cNvPr id="2" name="标题 1">
             <a:extLst>
               <a:ext uri="{FF2B5EF4-FFF2-40B4-BE49-F238E27FC236}">
-                <a16:creationId xmlns:a16="http://schemas.microsoft.com/office/drawing/2014/main" id="{A431379F-1202-0315-970B-64B36018A6DD}"/>
+                <a16:creationId xmlns:a16="http://schemas.microsoft.com/office/drawing/2014/main" id="{AC632E7F-A5BD-39B4-5D3A-905E4A212A39}"/>
               </a:ext>
             </a:extLst>
           </p:cNvPr>
@@ -990,7 +990,7 @@
           <p:cNvPr id="3" name="文本占位符 2">
             <a:extLst>
               <a:ext uri="{FF2B5EF4-FFF2-40B4-BE49-F238E27FC236}">
-                <a16:creationId xmlns:a16="http://schemas.microsoft.com/office/drawing/2014/main" id="{0AD9D029-5237-BF79-F537-6054F709EC54}"/>
+                <a16:creationId xmlns:a16="http://schemas.microsoft.com/office/drawing/2014/main" id="{26155E48-B954-AE08-FD59-699C9CB4D1BB}"/>
               </a:ext>
             </a:extLst>
           </p:cNvPr>
@@ -1115,7 +1115,7 @@
           <p:cNvPr id="4" name="日期占位符 3">
             <a:extLst>
               <a:ext uri="{FF2B5EF4-FFF2-40B4-BE49-F238E27FC236}">
-                <a16:creationId xmlns:a16="http://schemas.microsoft.com/office/drawing/2014/main" id="{3E63DF4C-380F-259A-1300-F2BECFED38F5}"/>
+                <a16:creationId xmlns:a16="http://schemas.microsoft.com/office/drawing/2014/main" id="{33BD1576-B376-CAB8-7241-7C1325EB0332}"/>
               </a:ext>
             </a:extLst>
           </p:cNvPr>
@@ -1131,7 +1131,7 @@
           <a:bodyPr/>
           <a:lstStyle/>
           <a:p>
-            <a:fld id="{89EF49A6-38A0-4894-9235-C6E30AAF645B}" type="datetimeFigureOut">
+            <a:fld id="{5AD2295D-A003-4BFA-A1AE-ED94CE02BECB}" type="datetimeFigureOut">
               <a:rPr lang="zh-CN" altLang="en-US" smtClean="0"/>
               <a:t>2024/3/10</a:t>
             </a:fld>
@@ -1144,7 +1144,7 @@
           <p:cNvPr id="5" name="页脚占位符 4">
             <a:extLst>
               <a:ext uri="{FF2B5EF4-FFF2-40B4-BE49-F238E27FC236}">
-                <a16:creationId xmlns:a16="http://schemas.microsoft.com/office/drawing/2014/main" id="{4B65248A-CBFB-C0CB-5DCC-8577044F38EA}"/>
+                <a16:creationId xmlns:a16="http://schemas.microsoft.com/office/drawing/2014/main" id="{63B5D500-A3A9-8556-EA27-BFF225BA2A3F}"/>
               </a:ext>
             </a:extLst>
           </p:cNvPr>
@@ -1169,7 +1169,7 @@
           <p:cNvPr id="6" name="灯片编号占位符 5">
             <a:extLst>
               <a:ext uri="{FF2B5EF4-FFF2-40B4-BE49-F238E27FC236}">
-                <a16:creationId xmlns:a16="http://schemas.microsoft.com/office/drawing/2014/main" id="{D9B37F0E-B4B2-AE6D-36AA-099EDB5054C2}"/>
+                <a16:creationId xmlns:a16="http://schemas.microsoft.com/office/drawing/2014/main" id="{82E0F338-840E-9104-33D4-6D728E6080BD}"/>
               </a:ext>
             </a:extLst>
           </p:cNvPr>
@@ -1185,7 +1185,7 @@
           <a:bodyPr/>
           <a:lstStyle/>
           <a:p>
-            <a:fld id="{AEDAFD68-F0B2-4E09-8C73-4D17A98604C6}" type="slidenum">
+            <a:fld id="{28E3CBBF-CE42-4580-B701-8FB6EB140D37}" type="slidenum">
               <a:rPr lang="zh-CN" altLang="en-US" smtClean="0"/>
               <a:t>‹#›</a:t>
             </a:fld>
@@ -1196,7 +1196,7 @@
     </p:spTree>
     <p:extLst>
       <p:ext uri="{BB962C8B-B14F-4D97-AF65-F5344CB8AC3E}">
-        <p14:creationId xmlns:p14="http://schemas.microsoft.com/office/powerpoint/2010/main" val="2145176660"/>
+        <p14:creationId xmlns:p14="http://schemas.microsoft.com/office/powerpoint/2010/main" val="968512032"/>
       </p:ext>
     </p:extLst>
   </p:cSld>
@@ -1228,7 +1228,7 @@
           <p:cNvPr id="2" name="标题 1">
             <a:extLst>
               <a:ext uri="{FF2B5EF4-FFF2-40B4-BE49-F238E27FC236}">
-                <a16:creationId xmlns:a16="http://schemas.microsoft.com/office/drawing/2014/main" id="{4CA3958A-CF82-6FEC-0C57-46898BC71C86}"/>
+                <a16:creationId xmlns:a16="http://schemas.microsoft.com/office/drawing/2014/main" id="{23BF7C07-827D-F548-9704-DB22D64D8735}"/>
               </a:ext>
             </a:extLst>
           </p:cNvPr>
@@ -1256,7 +1256,7 @@
           <p:cNvPr id="3" name="内容占位符 2">
             <a:extLst>
               <a:ext uri="{FF2B5EF4-FFF2-40B4-BE49-F238E27FC236}">
-                <a16:creationId xmlns:a16="http://schemas.microsoft.com/office/drawing/2014/main" id="{FEFB26FF-3D04-CC98-F396-95C4853B5F6E}"/>
+                <a16:creationId xmlns:a16="http://schemas.microsoft.com/office/drawing/2014/main" id="{0344A3F7-FA05-A17A-5B3F-CBF90D8552FA}"/>
               </a:ext>
             </a:extLst>
           </p:cNvPr>
@@ -1318,7 +1318,7 @@
           <p:cNvPr id="4" name="内容占位符 3">
             <a:extLst>
               <a:ext uri="{FF2B5EF4-FFF2-40B4-BE49-F238E27FC236}">
-                <a16:creationId xmlns:a16="http://schemas.microsoft.com/office/drawing/2014/main" id="{3DE21C70-95B1-1F48-7F75-375315745549}"/>
+                <a16:creationId xmlns:a16="http://schemas.microsoft.com/office/drawing/2014/main" id="{38E50ABC-4C86-349C-1687-2DFFDEAFB9D9}"/>
               </a:ext>
             </a:extLst>
           </p:cNvPr>
@@ -1380,7 +1380,7 @@
           <p:cNvPr id="5" name="日期占位符 4">
             <a:extLst>
               <a:ext uri="{FF2B5EF4-FFF2-40B4-BE49-F238E27FC236}">
-                <a16:creationId xmlns:a16="http://schemas.microsoft.com/office/drawing/2014/main" id="{FC4EFE6D-A872-8C5E-C1DE-866237F9C7B3}"/>
+                <a16:creationId xmlns:a16="http://schemas.microsoft.com/office/drawing/2014/main" id="{3747613C-E352-D52A-0D46-B0755A0EA765}"/>
               </a:ext>
             </a:extLst>
           </p:cNvPr>
@@ -1396,7 +1396,7 @@
           <a:bodyPr/>
           <a:lstStyle/>
           <a:p>
-            <a:fld id="{89EF49A6-38A0-4894-9235-C6E30AAF645B}" type="datetimeFigureOut">
+            <a:fld id="{5AD2295D-A003-4BFA-A1AE-ED94CE02BECB}" type="datetimeFigureOut">
               <a:rPr lang="zh-CN" altLang="en-US" smtClean="0"/>
               <a:t>2024/3/10</a:t>
             </a:fld>
@@ -1409,7 +1409,7 @@
           <p:cNvPr id="6" name="页脚占位符 5">
             <a:extLst>
               <a:ext uri="{FF2B5EF4-FFF2-40B4-BE49-F238E27FC236}">
-                <a16:creationId xmlns:a16="http://schemas.microsoft.com/office/drawing/2014/main" id="{C856B7D9-8668-80A8-AD1E-66956B0F479F}"/>
+                <a16:creationId xmlns:a16="http://schemas.microsoft.com/office/drawing/2014/main" id="{394700A9-A950-8F58-6AA0-BAD4E9F8AEFE}"/>
               </a:ext>
             </a:extLst>
           </p:cNvPr>
@@ -1434,7 +1434,7 @@
           <p:cNvPr id="7" name="灯片编号占位符 6">
             <a:extLst>
               <a:ext uri="{FF2B5EF4-FFF2-40B4-BE49-F238E27FC236}">
-                <a16:creationId xmlns:a16="http://schemas.microsoft.com/office/drawing/2014/main" id="{E6496193-2C8B-B113-702D-24EE32E87148}"/>
+                <a16:creationId xmlns:a16="http://schemas.microsoft.com/office/drawing/2014/main" id="{9AA67E8C-A228-0BCC-6BED-6AF16D786651}"/>
               </a:ext>
             </a:extLst>
           </p:cNvPr>
@@ -1450,7 +1450,7 @@
           <a:bodyPr/>
           <a:lstStyle/>
           <a:p>
-            <a:fld id="{AEDAFD68-F0B2-4E09-8C73-4D17A98604C6}" type="slidenum">
+            <a:fld id="{28E3CBBF-CE42-4580-B701-8FB6EB140D37}" type="slidenum">
               <a:rPr lang="zh-CN" altLang="en-US" smtClean="0"/>
               <a:t>‹#›</a:t>
             </a:fld>
@@ -1461,7 +1461,7 @@
     </p:spTree>
     <p:extLst>
       <p:ext uri="{BB962C8B-B14F-4D97-AF65-F5344CB8AC3E}">
-        <p14:creationId xmlns:p14="http://schemas.microsoft.com/office/powerpoint/2010/main" val="2198452301"/>
+        <p14:creationId xmlns:p14="http://schemas.microsoft.com/office/powerpoint/2010/main" val="3445478378"/>
       </p:ext>
     </p:extLst>
   </p:cSld>
@@ -1493,7 +1493,7 @@
           <p:cNvPr id="2" name="标题 1">
             <a:extLst>
               <a:ext uri="{FF2B5EF4-FFF2-40B4-BE49-F238E27FC236}">
-                <a16:creationId xmlns:a16="http://schemas.microsoft.com/office/drawing/2014/main" id="{530E79A2-EA2E-5E8B-4B37-B5C1AF897671}"/>
+                <a16:creationId xmlns:a16="http://schemas.microsoft.com/office/drawing/2014/main" id="{1D7BAAE1-4D66-D6EF-13EB-21B4BD13298C}"/>
               </a:ext>
             </a:extLst>
           </p:cNvPr>
@@ -1526,7 +1526,7 @@
           <p:cNvPr id="3" name="文本占位符 2">
             <a:extLst>
               <a:ext uri="{FF2B5EF4-FFF2-40B4-BE49-F238E27FC236}">
-                <a16:creationId xmlns:a16="http://schemas.microsoft.com/office/drawing/2014/main" id="{06DBC584-8BD1-5BFA-0A26-1C853BCC7532}"/>
+                <a16:creationId xmlns:a16="http://schemas.microsoft.com/office/drawing/2014/main" id="{B2990CFC-6ACE-87A0-680C-50075BC800C4}"/>
               </a:ext>
             </a:extLst>
           </p:cNvPr>
@@ -1597,7 +1597,7 @@
           <p:cNvPr id="4" name="内容占位符 3">
             <a:extLst>
               <a:ext uri="{FF2B5EF4-FFF2-40B4-BE49-F238E27FC236}">
-                <a16:creationId xmlns:a16="http://schemas.microsoft.com/office/drawing/2014/main" id="{01DD2888-2FE0-FE41-3EC3-255AB79D698B}"/>
+                <a16:creationId xmlns:a16="http://schemas.microsoft.com/office/drawing/2014/main" id="{7A1A94AD-87F7-E162-D6D9-33546C9777DF}"/>
               </a:ext>
             </a:extLst>
           </p:cNvPr>
@@ -1659,7 +1659,7 @@
           <p:cNvPr id="5" name="文本占位符 4">
             <a:extLst>
               <a:ext uri="{FF2B5EF4-FFF2-40B4-BE49-F238E27FC236}">
-                <a16:creationId xmlns:a16="http://schemas.microsoft.com/office/drawing/2014/main" id="{D636C964-CE2E-F87D-CD4C-57FAB7616DCB}"/>
+                <a16:creationId xmlns:a16="http://schemas.microsoft.com/office/drawing/2014/main" id="{DED8CE85-6476-18BE-23AD-B4D13AFE24AF}"/>
               </a:ext>
             </a:extLst>
           </p:cNvPr>
@@ -1730,7 +1730,7 @@
           <p:cNvPr id="6" name="内容占位符 5">
             <a:extLst>
               <a:ext uri="{FF2B5EF4-FFF2-40B4-BE49-F238E27FC236}">
-                <a16:creationId xmlns:a16="http://schemas.microsoft.com/office/drawing/2014/main" id="{87AA26D0-197B-4D76-E3E9-F631DEFBFA50}"/>
+                <a16:creationId xmlns:a16="http://schemas.microsoft.com/office/drawing/2014/main" id="{89B8071A-0ED4-B344-3ADF-193EC7ED26CF}"/>
               </a:ext>
             </a:extLst>
           </p:cNvPr>
@@ -1792,7 +1792,7 @@
           <p:cNvPr id="7" name="日期占位符 6">
             <a:extLst>
               <a:ext uri="{FF2B5EF4-FFF2-40B4-BE49-F238E27FC236}">
-                <a16:creationId xmlns:a16="http://schemas.microsoft.com/office/drawing/2014/main" id="{7A26862A-1570-EEFA-B682-535DBEE2C12B}"/>
+                <a16:creationId xmlns:a16="http://schemas.microsoft.com/office/drawing/2014/main" id="{A6111D89-BED2-7639-6A8A-7BA845F32D97}"/>
               </a:ext>
             </a:extLst>
           </p:cNvPr>
@@ -1808,7 +1808,7 @@
           <a:bodyPr/>
           <a:lstStyle/>
           <a:p>
-            <a:fld id="{89EF49A6-38A0-4894-9235-C6E30AAF645B}" type="datetimeFigureOut">
+            <a:fld id="{5AD2295D-A003-4BFA-A1AE-ED94CE02BECB}" type="datetimeFigureOut">
               <a:rPr lang="zh-CN" altLang="en-US" smtClean="0"/>
               <a:t>2024/3/10</a:t>
             </a:fld>
@@ -1821,7 +1821,7 @@
           <p:cNvPr id="8" name="页脚占位符 7">
             <a:extLst>
               <a:ext uri="{FF2B5EF4-FFF2-40B4-BE49-F238E27FC236}">
-                <a16:creationId xmlns:a16="http://schemas.microsoft.com/office/drawing/2014/main" id="{9C928121-C99E-6357-73AC-8CAD5F5DB713}"/>
+                <a16:creationId xmlns:a16="http://schemas.microsoft.com/office/drawing/2014/main" id="{2F25DD21-C25B-A217-3B75-B1442B294AB7}"/>
               </a:ext>
             </a:extLst>
           </p:cNvPr>
@@ -1846,7 +1846,7 @@
           <p:cNvPr id="9" name="灯片编号占位符 8">
             <a:extLst>
               <a:ext uri="{FF2B5EF4-FFF2-40B4-BE49-F238E27FC236}">
-                <a16:creationId xmlns:a16="http://schemas.microsoft.com/office/drawing/2014/main" id="{86B016E6-C409-0B1B-5079-50F748D1D2EE}"/>
+                <a16:creationId xmlns:a16="http://schemas.microsoft.com/office/drawing/2014/main" id="{8087B261-80EC-90CC-D0BE-BEE46A82EFAE}"/>
               </a:ext>
             </a:extLst>
           </p:cNvPr>
@@ -1862,7 +1862,7 @@
           <a:bodyPr/>
           <a:lstStyle/>
           <a:p>
-            <a:fld id="{AEDAFD68-F0B2-4E09-8C73-4D17A98604C6}" type="slidenum">
+            <a:fld id="{28E3CBBF-CE42-4580-B701-8FB6EB140D37}" type="slidenum">
               <a:rPr lang="zh-CN" altLang="en-US" smtClean="0"/>
               <a:t>‹#›</a:t>
             </a:fld>
@@ -1873,7 +1873,7 @@
     </p:spTree>
     <p:extLst>
       <p:ext uri="{BB962C8B-B14F-4D97-AF65-F5344CB8AC3E}">
-        <p14:creationId xmlns:p14="http://schemas.microsoft.com/office/powerpoint/2010/main" val="4067693040"/>
+        <p14:creationId xmlns:p14="http://schemas.microsoft.com/office/powerpoint/2010/main" val="1532014030"/>
       </p:ext>
     </p:extLst>
   </p:cSld>
@@ -1905,7 +1905,7 @@
           <p:cNvPr id="2" name="标题 1">
             <a:extLst>
               <a:ext uri="{FF2B5EF4-FFF2-40B4-BE49-F238E27FC236}">
-                <a16:creationId xmlns:a16="http://schemas.microsoft.com/office/drawing/2014/main" id="{1DC59ADF-4974-3125-E998-33CDF4E6584A}"/>
+                <a16:creationId xmlns:a16="http://schemas.microsoft.com/office/drawing/2014/main" id="{A9BD8F93-E9A0-AEDD-F662-82F8E7D42B6A}"/>
               </a:ext>
             </a:extLst>
           </p:cNvPr>
@@ -1933,7 +1933,7 @@
           <p:cNvPr id="3" name="日期占位符 2">
             <a:extLst>
               <a:ext uri="{FF2B5EF4-FFF2-40B4-BE49-F238E27FC236}">
-                <a16:creationId xmlns:a16="http://schemas.microsoft.com/office/drawing/2014/main" id="{DBB58925-46B1-344A-0130-7F93ADB052FD}"/>
+                <a16:creationId xmlns:a16="http://schemas.microsoft.com/office/drawing/2014/main" id="{4D622A3A-1CE0-1466-CBF5-20DA4F3DDAA4}"/>
               </a:ext>
             </a:extLst>
           </p:cNvPr>
@@ -1949,7 +1949,7 @@
           <a:bodyPr/>
           <a:lstStyle/>
           <a:p>
-            <a:fld id="{89EF49A6-38A0-4894-9235-C6E30AAF645B}" type="datetimeFigureOut">
+            <a:fld id="{5AD2295D-A003-4BFA-A1AE-ED94CE02BECB}" type="datetimeFigureOut">
               <a:rPr lang="zh-CN" altLang="en-US" smtClean="0"/>
               <a:t>2024/3/10</a:t>
             </a:fld>
@@ -1962,7 +1962,7 @@
           <p:cNvPr id="4" name="页脚占位符 3">
             <a:extLst>
               <a:ext uri="{FF2B5EF4-FFF2-40B4-BE49-F238E27FC236}">
-                <a16:creationId xmlns:a16="http://schemas.microsoft.com/office/drawing/2014/main" id="{10707265-7BC4-35A7-0397-2FC3AC859C45}"/>
+                <a16:creationId xmlns:a16="http://schemas.microsoft.com/office/drawing/2014/main" id="{FE22D663-CFA2-7CDA-ADEE-AE2C53607426}"/>
               </a:ext>
             </a:extLst>
           </p:cNvPr>
@@ -1987,7 +1987,7 @@
           <p:cNvPr id="5" name="灯片编号占位符 4">
             <a:extLst>
               <a:ext uri="{FF2B5EF4-FFF2-40B4-BE49-F238E27FC236}">
-                <a16:creationId xmlns:a16="http://schemas.microsoft.com/office/drawing/2014/main" id="{91DFD26B-C6DF-F4F4-757F-68B37BF2366F}"/>
+                <a16:creationId xmlns:a16="http://schemas.microsoft.com/office/drawing/2014/main" id="{7FC04708-499F-7426-641C-16D25AAE5044}"/>
               </a:ext>
             </a:extLst>
           </p:cNvPr>
@@ -2003,7 +2003,7 @@
           <a:bodyPr/>
           <a:lstStyle/>
           <a:p>
-            <a:fld id="{AEDAFD68-F0B2-4E09-8C73-4D17A98604C6}" type="slidenum">
+            <a:fld id="{28E3CBBF-CE42-4580-B701-8FB6EB140D37}" type="slidenum">
               <a:rPr lang="zh-CN" altLang="en-US" smtClean="0"/>
               <a:t>‹#›</a:t>
             </a:fld>
@@ -2014,7 +2014,7 @@
     </p:spTree>
     <p:extLst>
       <p:ext uri="{BB962C8B-B14F-4D97-AF65-F5344CB8AC3E}">
-        <p14:creationId xmlns:p14="http://schemas.microsoft.com/office/powerpoint/2010/main" val="2130730476"/>
+        <p14:creationId xmlns:p14="http://schemas.microsoft.com/office/powerpoint/2010/main" val="775131316"/>
       </p:ext>
     </p:extLst>
   </p:cSld>
@@ -2046,7 +2046,7 @@
           <p:cNvPr id="2" name="日期占位符 1">
             <a:extLst>
               <a:ext uri="{FF2B5EF4-FFF2-40B4-BE49-F238E27FC236}">
-                <a16:creationId xmlns:a16="http://schemas.microsoft.com/office/drawing/2014/main" id="{272A0D39-56B7-1AB6-F36E-7AE99C8A301A}"/>
+                <a16:creationId xmlns:a16="http://schemas.microsoft.com/office/drawing/2014/main" id="{31CBBE57-C0DF-918F-28EC-B15214E95F63}"/>
               </a:ext>
             </a:extLst>
           </p:cNvPr>
@@ -2062,7 +2062,7 @@
           <a:bodyPr/>
           <a:lstStyle/>
           <a:p>
-            <a:fld id="{89EF49A6-38A0-4894-9235-C6E30AAF645B}" type="datetimeFigureOut">
+            <a:fld id="{5AD2295D-A003-4BFA-A1AE-ED94CE02BECB}" type="datetimeFigureOut">
               <a:rPr lang="zh-CN" altLang="en-US" smtClean="0"/>
               <a:t>2024/3/10</a:t>
             </a:fld>
@@ -2075,7 +2075,7 @@
           <p:cNvPr id="3" name="页脚占位符 2">
             <a:extLst>
               <a:ext uri="{FF2B5EF4-FFF2-40B4-BE49-F238E27FC236}">
-                <a16:creationId xmlns:a16="http://schemas.microsoft.com/office/drawing/2014/main" id="{9EB3FA83-2044-C77B-17A9-87D09EE94D7C}"/>
+                <a16:creationId xmlns:a16="http://schemas.microsoft.com/office/drawing/2014/main" id="{A2A7766A-6349-00C2-B737-78127F5004C2}"/>
               </a:ext>
             </a:extLst>
           </p:cNvPr>
@@ -2100,7 +2100,7 @@
           <p:cNvPr id="4" name="灯片编号占位符 3">
             <a:extLst>
               <a:ext uri="{FF2B5EF4-FFF2-40B4-BE49-F238E27FC236}">
-                <a16:creationId xmlns:a16="http://schemas.microsoft.com/office/drawing/2014/main" id="{155372BC-DD04-1F0C-03BB-6E96F0CA586C}"/>
+                <a16:creationId xmlns:a16="http://schemas.microsoft.com/office/drawing/2014/main" id="{56F1B5AE-4F47-B9DB-ABB4-0887E43C75A2}"/>
               </a:ext>
             </a:extLst>
           </p:cNvPr>
@@ -2116,7 +2116,7 @@
           <a:bodyPr/>
           <a:lstStyle/>
           <a:p>
-            <a:fld id="{AEDAFD68-F0B2-4E09-8C73-4D17A98604C6}" type="slidenum">
+            <a:fld id="{28E3CBBF-CE42-4580-B701-8FB6EB140D37}" type="slidenum">
               <a:rPr lang="zh-CN" altLang="en-US" smtClean="0"/>
               <a:t>‹#›</a:t>
             </a:fld>
@@ -2127,7 +2127,7 @@
     </p:spTree>
     <p:extLst>
       <p:ext uri="{BB962C8B-B14F-4D97-AF65-F5344CB8AC3E}">
-        <p14:creationId xmlns:p14="http://schemas.microsoft.com/office/powerpoint/2010/main" val="2790095563"/>
+        <p14:creationId xmlns:p14="http://schemas.microsoft.com/office/powerpoint/2010/main" val="2770789267"/>
       </p:ext>
     </p:extLst>
   </p:cSld>
@@ -2159,7 +2159,7 @@
           <p:cNvPr id="2" name="标题 1">
             <a:extLst>
               <a:ext uri="{FF2B5EF4-FFF2-40B4-BE49-F238E27FC236}">
-                <a16:creationId xmlns:a16="http://schemas.microsoft.com/office/drawing/2014/main" id="{7858B4EE-DCD4-F27C-3E4C-2E1D9EC8A375}"/>
+                <a16:creationId xmlns:a16="http://schemas.microsoft.com/office/drawing/2014/main" id="{937F696A-FA99-DFFC-53D1-1FE05B6599AA}"/>
               </a:ext>
             </a:extLst>
           </p:cNvPr>
@@ -2196,7 +2196,7 @@
           <p:cNvPr id="3" name="内容占位符 2">
             <a:extLst>
               <a:ext uri="{FF2B5EF4-FFF2-40B4-BE49-F238E27FC236}">
-                <a16:creationId xmlns:a16="http://schemas.microsoft.com/office/drawing/2014/main" id="{DCEA0B11-E801-9F49-916D-A93C9F0B0AB4}"/>
+                <a16:creationId xmlns:a16="http://schemas.microsoft.com/office/drawing/2014/main" id="{897530F5-F730-0510-23E3-C3157F0AAAF9}"/>
               </a:ext>
             </a:extLst>
           </p:cNvPr>
@@ -2286,7 +2286,7 @@
           <p:cNvPr id="4" name="文本占位符 3">
             <a:extLst>
               <a:ext uri="{FF2B5EF4-FFF2-40B4-BE49-F238E27FC236}">
-                <a16:creationId xmlns:a16="http://schemas.microsoft.com/office/drawing/2014/main" id="{8EA240F6-D13A-204A-2B44-F6093F180FE6}"/>
+                <a16:creationId xmlns:a16="http://schemas.microsoft.com/office/drawing/2014/main" id="{5A99F7F7-88CB-8E97-3289-90B89A425378}"/>
               </a:ext>
             </a:extLst>
           </p:cNvPr>
@@ -2357,7 +2357,7 @@
           <p:cNvPr id="5" name="日期占位符 4">
             <a:extLst>
               <a:ext uri="{FF2B5EF4-FFF2-40B4-BE49-F238E27FC236}">
-                <a16:creationId xmlns:a16="http://schemas.microsoft.com/office/drawing/2014/main" id="{0A66C560-0CF1-A5BF-6FDC-75FEC6903C30}"/>
+                <a16:creationId xmlns:a16="http://schemas.microsoft.com/office/drawing/2014/main" id="{E50C1FB9-8921-11DD-0F91-9F26D1B21DD5}"/>
               </a:ext>
             </a:extLst>
           </p:cNvPr>
@@ -2373,7 +2373,7 @@
           <a:bodyPr/>
           <a:lstStyle/>
           <a:p>
-            <a:fld id="{89EF49A6-38A0-4894-9235-C6E30AAF645B}" type="datetimeFigureOut">
+            <a:fld id="{5AD2295D-A003-4BFA-A1AE-ED94CE02BECB}" type="datetimeFigureOut">
               <a:rPr lang="zh-CN" altLang="en-US" smtClean="0"/>
               <a:t>2024/3/10</a:t>
             </a:fld>
@@ -2386,7 +2386,7 @@
           <p:cNvPr id="6" name="页脚占位符 5">
             <a:extLst>
               <a:ext uri="{FF2B5EF4-FFF2-40B4-BE49-F238E27FC236}">
-                <a16:creationId xmlns:a16="http://schemas.microsoft.com/office/drawing/2014/main" id="{1CE5A464-8CD5-203C-1231-4597A9645DF1}"/>
+                <a16:creationId xmlns:a16="http://schemas.microsoft.com/office/drawing/2014/main" id="{CC2A209F-E963-4A43-53DA-1D83308F0946}"/>
               </a:ext>
             </a:extLst>
           </p:cNvPr>
@@ -2411,7 +2411,7 @@
           <p:cNvPr id="7" name="灯片编号占位符 6">
             <a:extLst>
               <a:ext uri="{FF2B5EF4-FFF2-40B4-BE49-F238E27FC236}">
-                <a16:creationId xmlns:a16="http://schemas.microsoft.com/office/drawing/2014/main" id="{39AD51CD-DE4E-FA4A-5C4E-205B26F68355}"/>
+                <a16:creationId xmlns:a16="http://schemas.microsoft.com/office/drawing/2014/main" id="{540AA49F-0C5F-D840-2275-0AA5AD786F75}"/>
               </a:ext>
             </a:extLst>
           </p:cNvPr>
@@ -2427,7 +2427,7 @@
           <a:bodyPr/>
           <a:lstStyle/>
           <a:p>
-            <a:fld id="{AEDAFD68-F0B2-4E09-8C73-4D17A98604C6}" type="slidenum">
+            <a:fld id="{28E3CBBF-CE42-4580-B701-8FB6EB140D37}" type="slidenum">
               <a:rPr lang="zh-CN" altLang="en-US" smtClean="0"/>
               <a:t>‹#›</a:t>
             </a:fld>
@@ -2438,7 +2438,7 @@
     </p:spTree>
     <p:extLst>
       <p:ext uri="{BB962C8B-B14F-4D97-AF65-F5344CB8AC3E}">
-        <p14:creationId xmlns:p14="http://schemas.microsoft.com/office/powerpoint/2010/main" val="4084277953"/>
+        <p14:creationId xmlns:p14="http://schemas.microsoft.com/office/powerpoint/2010/main" val="4256055964"/>
       </p:ext>
     </p:extLst>
   </p:cSld>
@@ -2470,7 +2470,7 @@
           <p:cNvPr id="2" name="标题 1">
             <a:extLst>
               <a:ext uri="{FF2B5EF4-FFF2-40B4-BE49-F238E27FC236}">
-                <a16:creationId xmlns:a16="http://schemas.microsoft.com/office/drawing/2014/main" id="{A47042AB-7F3E-47E4-8CB7-B3B885970B1A}"/>
+                <a16:creationId xmlns:a16="http://schemas.microsoft.com/office/drawing/2014/main" id="{E6844EA9-C3AB-04CE-91FE-F0EAACA9A19F}"/>
               </a:ext>
             </a:extLst>
           </p:cNvPr>
@@ -2507,7 +2507,7 @@
           <p:cNvPr id="3" name="图片占位符 2">
             <a:extLst>
               <a:ext uri="{FF2B5EF4-FFF2-40B4-BE49-F238E27FC236}">
-                <a16:creationId xmlns:a16="http://schemas.microsoft.com/office/drawing/2014/main" id="{8E9C11D4-0683-8CC0-FB97-F582D1C8367F}"/>
+                <a16:creationId xmlns:a16="http://schemas.microsoft.com/office/drawing/2014/main" id="{2A85F2BF-2581-A26B-FFAD-AC7C8242D544}"/>
               </a:ext>
             </a:extLst>
           </p:cNvPr>
@@ -2574,7 +2574,7 @@
           <p:cNvPr id="4" name="文本占位符 3">
             <a:extLst>
               <a:ext uri="{FF2B5EF4-FFF2-40B4-BE49-F238E27FC236}">
-                <a16:creationId xmlns:a16="http://schemas.microsoft.com/office/drawing/2014/main" id="{C54DF862-ED13-DC22-D2CC-042D6DF8969D}"/>
+                <a16:creationId xmlns:a16="http://schemas.microsoft.com/office/drawing/2014/main" id="{14F5C3E9-3CF4-983F-AAE3-53F7F89390B4}"/>
               </a:ext>
             </a:extLst>
           </p:cNvPr>
@@ -2645,7 +2645,7 @@
           <p:cNvPr id="5" name="日期占位符 4">
             <a:extLst>
               <a:ext uri="{FF2B5EF4-FFF2-40B4-BE49-F238E27FC236}">
-                <a16:creationId xmlns:a16="http://schemas.microsoft.com/office/drawing/2014/main" id="{BD190A64-A398-2BCD-66C5-566FE191F2F0}"/>
+                <a16:creationId xmlns:a16="http://schemas.microsoft.com/office/drawing/2014/main" id="{2CF851B7-3A33-AA56-A9D3-C21D855D866C}"/>
               </a:ext>
             </a:extLst>
           </p:cNvPr>
@@ -2661,7 +2661,7 @@
           <a:bodyPr/>
           <a:lstStyle/>
           <a:p>
-            <a:fld id="{89EF49A6-38A0-4894-9235-C6E30AAF645B}" type="datetimeFigureOut">
+            <a:fld id="{5AD2295D-A003-4BFA-A1AE-ED94CE02BECB}" type="datetimeFigureOut">
               <a:rPr lang="zh-CN" altLang="en-US" smtClean="0"/>
               <a:t>2024/3/10</a:t>
             </a:fld>
@@ -2674,7 +2674,7 @@
           <p:cNvPr id="6" name="页脚占位符 5">
             <a:extLst>
               <a:ext uri="{FF2B5EF4-FFF2-40B4-BE49-F238E27FC236}">
-                <a16:creationId xmlns:a16="http://schemas.microsoft.com/office/drawing/2014/main" id="{1325B614-34E7-339D-61E9-CC62D8DF5909}"/>
+                <a16:creationId xmlns:a16="http://schemas.microsoft.com/office/drawing/2014/main" id="{29252A99-6AB8-7BF2-B4CE-5D100D681E22}"/>
               </a:ext>
             </a:extLst>
           </p:cNvPr>
@@ -2699,7 +2699,7 @@
           <p:cNvPr id="7" name="灯片编号占位符 6">
             <a:extLst>
               <a:ext uri="{FF2B5EF4-FFF2-40B4-BE49-F238E27FC236}">
-                <a16:creationId xmlns:a16="http://schemas.microsoft.com/office/drawing/2014/main" id="{5EFB0C57-D0B4-3CF0-47DC-6B73A54B49D9}"/>
+                <a16:creationId xmlns:a16="http://schemas.microsoft.com/office/drawing/2014/main" id="{9B8BE9C9-4EDB-14EE-5DC9-829966FC113B}"/>
               </a:ext>
             </a:extLst>
           </p:cNvPr>
@@ -2715,7 +2715,7 @@
           <a:bodyPr/>
           <a:lstStyle/>
           <a:p>
-            <a:fld id="{AEDAFD68-F0B2-4E09-8C73-4D17A98604C6}" type="slidenum">
+            <a:fld id="{28E3CBBF-CE42-4580-B701-8FB6EB140D37}" type="slidenum">
               <a:rPr lang="zh-CN" altLang="en-US" smtClean="0"/>
               <a:t>‹#›</a:t>
             </a:fld>
@@ -2726,7 +2726,7 @@
     </p:spTree>
     <p:extLst>
       <p:ext uri="{BB962C8B-B14F-4D97-AF65-F5344CB8AC3E}">
-        <p14:creationId xmlns:p14="http://schemas.microsoft.com/office/powerpoint/2010/main" val="3325112146"/>
+        <p14:creationId xmlns:p14="http://schemas.microsoft.com/office/powerpoint/2010/main" val="4138418491"/>
       </p:ext>
     </p:extLst>
   </p:cSld>
@@ -2763,7 +2763,7 @@
           <p:cNvPr id="2" name="标题占位符 1">
             <a:extLst>
               <a:ext uri="{FF2B5EF4-FFF2-40B4-BE49-F238E27FC236}">
-                <a16:creationId xmlns:a16="http://schemas.microsoft.com/office/drawing/2014/main" id="{AC2170AB-DF8E-3320-1A16-543D2B8E365C}"/>
+                <a16:creationId xmlns:a16="http://schemas.microsoft.com/office/drawing/2014/main" id="{B7B41319-ECD4-86FD-7457-31870E25EA6C}"/>
               </a:ext>
             </a:extLst>
           </p:cNvPr>
@@ -2801,7 +2801,7 @@
           <p:cNvPr id="3" name="文本占位符 2">
             <a:extLst>
               <a:ext uri="{FF2B5EF4-FFF2-40B4-BE49-F238E27FC236}">
-                <a16:creationId xmlns:a16="http://schemas.microsoft.com/office/drawing/2014/main" id="{52DCA8DE-60BD-C02F-F5CB-04581A950077}"/>
+                <a16:creationId xmlns:a16="http://schemas.microsoft.com/office/drawing/2014/main" id="{AEE4705E-731C-C1E5-7D52-47E4539C1B17}"/>
               </a:ext>
             </a:extLst>
           </p:cNvPr>
@@ -2868,7 +2868,7 @@
           <p:cNvPr id="4" name="日期占位符 3">
             <a:extLst>
               <a:ext uri="{FF2B5EF4-FFF2-40B4-BE49-F238E27FC236}">
-                <a16:creationId xmlns:a16="http://schemas.microsoft.com/office/drawing/2014/main" id="{DB7180D5-DBC9-B6C4-7D36-9249FABFA7EA}"/>
+                <a16:creationId xmlns:a16="http://schemas.microsoft.com/office/drawing/2014/main" id="{7BCC3FAA-3426-6721-E62F-CDD365370561}"/>
               </a:ext>
             </a:extLst>
           </p:cNvPr>
@@ -2902,7 +2902,7 @@
             </a:lvl1pPr>
           </a:lstStyle>
           <a:p>
-            <a:fld id="{89EF49A6-38A0-4894-9235-C6E30AAF645B}" type="datetimeFigureOut">
+            <a:fld id="{5AD2295D-A003-4BFA-A1AE-ED94CE02BECB}" type="datetimeFigureOut">
               <a:rPr lang="zh-CN" altLang="en-US" smtClean="0"/>
               <a:t>2024/3/10</a:t>
             </a:fld>
@@ -2915,7 +2915,7 @@
           <p:cNvPr id="5" name="页脚占位符 4">
             <a:extLst>
               <a:ext uri="{FF2B5EF4-FFF2-40B4-BE49-F238E27FC236}">
-                <a16:creationId xmlns:a16="http://schemas.microsoft.com/office/drawing/2014/main" id="{975399C2-2D7A-4B1F-D31C-E15A8778BE09}"/>
+                <a16:creationId xmlns:a16="http://schemas.microsoft.com/office/drawing/2014/main" id="{16309F81-C7F7-FEDB-69BE-9D4A313D2DB5}"/>
               </a:ext>
             </a:extLst>
           </p:cNvPr>
@@ -2958,7 +2958,7 @@
           <p:cNvPr id="6" name="灯片编号占位符 5">
             <a:extLst>
               <a:ext uri="{FF2B5EF4-FFF2-40B4-BE49-F238E27FC236}">
-                <a16:creationId xmlns:a16="http://schemas.microsoft.com/office/drawing/2014/main" id="{1AD93E8E-E34D-7AC8-7A8A-61902F999ED4}"/>
+                <a16:creationId xmlns:a16="http://schemas.microsoft.com/office/drawing/2014/main" id="{36CE7CC5-856B-4FB0-4B05-98C3BA48D17D}"/>
               </a:ext>
             </a:extLst>
           </p:cNvPr>
@@ -2992,7 +2992,7 @@
             </a:lvl1pPr>
           </a:lstStyle>
           <a:p>
-            <a:fld id="{AEDAFD68-F0B2-4E09-8C73-4D17A98604C6}" type="slidenum">
+            <a:fld id="{28E3CBBF-CE42-4580-B701-8FB6EB140D37}" type="slidenum">
               <a:rPr lang="zh-CN" altLang="en-US" smtClean="0"/>
               <a:t>‹#›</a:t>
             </a:fld>
@@ -3003,7 +3003,7 @@
     </p:spTree>
     <p:extLst>
       <p:ext uri="{BB962C8B-B14F-4D97-AF65-F5344CB8AC3E}">
-        <p14:creationId xmlns:p14="http://schemas.microsoft.com/office/powerpoint/2010/main" val="840810581"/>
+        <p14:creationId xmlns:p14="http://schemas.microsoft.com/office/powerpoint/2010/main" val="3927841773"/>
       </p:ext>
     </p:extLst>
   </p:cSld>
